--- a/ppt 16-9/0875.欢呼主耶稣.pptx
+++ b/ppt 16-9/0875.欢呼主耶稣.pptx
@@ -5,7 +5,7 @@
     <p:sldMasterId id="2147483648" r:id="rId1"/>
   </p:sldMasterIdLst>
   <p:sldIdLst>
-    <p:sldId id="2185" r:id="rId2"/>
+    <p:sldId id="2187" r:id="rId2"/>
   </p:sldIdLst>
   <p:sldSz cx="12192000" cy="6858000"/>
   <p:notesSz cx="6858000" cy="9144000"/>
@@ -129,7 +129,7 @@
           <p:cNvPr id="2" name="标题 1">
             <a:extLst>
               <a:ext uri="{FF2B5EF4-FFF2-40B4-BE49-F238E27FC236}">
-                <a16:creationId xmlns:a16="http://schemas.microsoft.com/office/drawing/2014/main" id="{34C68E27-0320-F2B2-A2BC-A67366DFDB07}"/>
+                <a16:creationId xmlns:a16="http://schemas.microsoft.com/office/drawing/2014/main" id="{3E4F2A0A-5CEB-0525-44F9-CC4C31E34452}"/>
               </a:ext>
             </a:extLst>
           </p:cNvPr>
@@ -166,7 +166,7 @@
           <p:cNvPr id="3" name="副标题 2">
             <a:extLst>
               <a:ext uri="{FF2B5EF4-FFF2-40B4-BE49-F238E27FC236}">
-                <a16:creationId xmlns:a16="http://schemas.microsoft.com/office/drawing/2014/main" id="{2AC6AE18-BE93-015C-346D-5CE199C43EC9}"/>
+                <a16:creationId xmlns:a16="http://schemas.microsoft.com/office/drawing/2014/main" id="{7471A23E-C93B-208D-6C16-2B1A10894D02}"/>
               </a:ext>
             </a:extLst>
           </p:cNvPr>
@@ -236,7 +236,7 @@
           <p:cNvPr id="4" name="日期占位符 3">
             <a:extLst>
               <a:ext uri="{FF2B5EF4-FFF2-40B4-BE49-F238E27FC236}">
-                <a16:creationId xmlns:a16="http://schemas.microsoft.com/office/drawing/2014/main" id="{9E44EAA2-C78F-0546-107B-561A2DD1DE78}"/>
+                <a16:creationId xmlns:a16="http://schemas.microsoft.com/office/drawing/2014/main" id="{E22D6A66-0221-9F5D-15EF-739FE08E3D9F}"/>
               </a:ext>
             </a:extLst>
           </p:cNvPr>
@@ -252,7 +252,7 @@
           <a:bodyPr/>
           <a:lstStyle/>
           <a:p>
-            <a:fld id="{386B24D8-7C02-4867-84E3-26BF0F97B5A4}" type="datetimeFigureOut">
+            <a:fld id="{39FCEC18-3A0F-4772-8A99-5B51788CD7FA}" type="datetimeFigureOut">
               <a:rPr lang="zh-CN" altLang="en-US" smtClean="0"/>
               <a:t>2024/3/10</a:t>
             </a:fld>
@@ -265,7 +265,7 @@
           <p:cNvPr id="5" name="页脚占位符 4">
             <a:extLst>
               <a:ext uri="{FF2B5EF4-FFF2-40B4-BE49-F238E27FC236}">
-                <a16:creationId xmlns:a16="http://schemas.microsoft.com/office/drawing/2014/main" id="{99469E30-DE8B-1BAE-D19C-DA1CC4D6CAEC}"/>
+                <a16:creationId xmlns:a16="http://schemas.microsoft.com/office/drawing/2014/main" id="{B4B858CE-04E8-CE67-122C-D1D004F6AA62}"/>
               </a:ext>
             </a:extLst>
           </p:cNvPr>
@@ -290,7 +290,7 @@
           <p:cNvPr id="6" name="灯片编号占位符 5">
             <a:extLst>
               <a:ext uri="{FF2B5EF4-FFF2-40B4-BE49-F238E27FC236}">
-                <a16:creationId xmlns:a16="http://schemas.microsoft.com/office/drawing/2014/main" id="{F0C707E9-2223-D0E9-4122-E36CAE2471FF}"/>
+                <a16:creationId xmlns:a16="http://schemas.microsoft.com/office/drawing/2014/main" id="{1F0CAD31-FF49-EFED-B92D-1F9829D22CB2}"/>
               </a:ext>
             </a:extLst>
           </p:cNvPr>
@@ -306,7 +306,7 @@
           <a:bodyPr/>
           <a:lstStyle/>
           <a:p>
-            <a:fld id="{B8E995F8-FA63-42E9-8E9A-6BD83A38BF50}" type="slidenum">
+            <a:fld id="{CB32A36D-635A-4752-BBCA-A7E0D255E3B8}" type="slidenum">
               <a:rPr lang="zh-CN" altLang="en-US" smtClean="0"/>
               <a:t>‹#›</a:t>
             </a:fld>
@@ -317,7 +317,7 @@
     </p:spTree>
     <p:extLst>
       <p:ext uri="{BB962C8B-B14F-4D97-AF65-F5344CB8AC3E}">
-        <p14:creationId xmlns:p14="http://schemas.microsoft.com/office/powerpoint/2010/main" val="3637273898"/>
+        <p14:creationId xmlns:p14="http://schemas.microsoft.com/office/powerpoint/2010/main" val="2549140703"/>
       </p:ext>
     </p:extLst>
   </p:cSld>
@@ -349,7 +349,7 @@
           <p:cNvPr id="2" name="标题 1">
             <a:extLst>
               <a:ext uri="{FF2B5EF4-FFF2-40B4-BE49-F238E27FC236}">
-                <a16:creationId xmlns:a16="http://schemas.microsoft.com/office/drawing/2014/main" id="{745ECFDE-CB06-E345-3611-EC8E8D37F8CA}"/>
+                <a16:creationId xmlns:a16="http://schemas.microsoft.com/office/drawing/2014/main" id="{AA6A2948-D446-085F-F59B-D7FA7E90C28E}"/>
               </a:ext>
             </a:extLst>
           </p:cNvPr>
@@ -377,7 +377,7 @@
           <p:cNvPr id="3" name="竖排文字占位符 2">
             <a:extLst>
               <a:ext uri="{FF2B5EF4-FFF2-40B4-BE49-F238E27FC236}">
-                <a16:creationId xmlns:a16="http://schemas.microsoft.com/office/drawing/2014/main" id="{9F7D3CE2-ADA5-A15A-D86E-DB978470DDC8}"/>
+                <a16:creationId xmlns:a16="http://schemas.microsoft.com/office/drawing/2014/main" id="{0AFCC6E1-A1CF-4EBE-1A92-B3B62D83804F}"/>
               </a:ext>
             </a:extLst>
           </p:cNvPr>
@@ -434,7 +434,7 @@
           <p:cNvPr id="4" name="日期占位符 3">
             <a:extLst>
               <a:ext uri="{FF2B5EF4-FFF2-40B4-BE49-F238E27FC236}">
-                <a16:creationId xmlns:a16="http://schemas.microsoft.com/office/drawing/2014/main" id="{BD068CCD-8F44-C766-79B4-F3F2356009F3}"/>
+                <a16:creationId xmlns:a16="http://schemas.microsoft.com/office/drawing/2014/main" id="{D474E6C8-A98F-8715-D6C3-F90C50443E28}"/>
               </a:ext>
             </a:extLst>
           </p:cNvPr>
@@ -450,7 +450,7 @@
           <a:bodyPr/>
           <a:lstStyle/>
           <a:p>
-            <a:fld id="{386B24D8-7C02-4867-84E3-26BF0F97B5A4}" type="datetimeFigureOut">
+            <a:fld id="{39FCEC18-3A0F-4772-8A99-5B51788CD7FA}" type="datetimeFigureOut">
               <a:rPr lang="zh-CN" altLang="en-US" smtClean="0"/>
               <a:t>2024/3/10</a:t>
             </a:fld>
@@ -463,7 +463,7 @@
           <p:cNvPr id="5" name="页脚占位符 4">
             <a:extLst>
               <a:ext uri="{FF2B5EF4-FFF2-40B4-BE49-F238E27FC236}">
-                <a16:creationId xmlns:a16="http://schemas.microsoft.com/office/drawing/2014/main" id="{85925416-CD69-91B1-7D96-07E4BDD895C5}"/>
+                <a16:creationId xmlns:a16="http://schemas.microsoft.com/office/drawing/2014/main" id="{85F4DAC3-0084-7E13-9C99-DFEB02A5DC79}"/>
               </a:ext>
             </a:extLst>
           </p:cNvPr>
@@ -488,7 +488,7 @@
           <p:cNvPr id="6" name="灯片编号占位符 5">
             <a:extLst>
               <a:ext uri="{FF2B5EF4-FFF2-40B4-BE49-F238E27FC236}">
-                <a16:creationId xmlns:a16="http://schemas.microsoft.com/office/drawing/2014/main" id="{BB3B832C-FDC7-FF13-3096-7849C1E84A9C}"/>
+                <a16:creationId xmlns:a16="http://schemas.microsoft.com/office/drawing/2014/main" id="{50EC8254-16C5-84D3-E0E9-25D373385750}"/>
               </a:ext>
             </a:extLst>
           </p:cNvPr>
@@ -504,7 +504,7 @@
           <a:bodyPr/>
           <a:lstStyle/>
           <a:p>
-            <a:fld id="{B8E995F8-FA63-42E9-8E9A-6BD83A38BF50}" type="slidenum">
+            <a:fld id="{CB32A36D-635A-4752-BBCA-A7E0D255E3B8}" type="slidenum">
               <a:rPr lang="zh-CN" altLang="en-US" smtClean="0"/>
               <a:t>‹#›</a:t>
             </a:fld>
@@ -515,7 +515,7 @@
     </p:spTree>
     <p:extLst>
       <p:ext uri="{BB962C8B-B14F-4D97-AF65-F5344CB8AC3E}">
-        <p14:creationId xmlns:p14="http://schemas.microsoft.com/office/powerpoint/2010/main" val="3311091397"/>
+        <p14:creationId xmlns:p14="http://schemas.microsoft.com/office/powerpoint/2010/main" val="1639917050"/>
       </p:ext>
     </p:extLst>
   </p:cSld>
@@ -547,7 +547,7 @@
           <p:cNvPr id="2" name="竖排标题 1">
             <a:extLst>
               <a:ext uri="{FF2B5EF4-FFF2-40B4-BE49-F238E27FC236}">
-                <a16:creationId xmlns:a16="http://schemas.microsoft.com/office/drawing/2014/main" id="{DFBB615F-94C9-95D3-4611-10814FA61E5D}"/>
+                <a16:creationId xmlns:a16="http://schemas.microsoft.com/office/drawing/2014/main" id="{7D108E84-5579-7CCB-CF77-3580D87E9EAC}"/>
               </a:ext>
             </a:extLst>
           </p:cNvPr>
@@ -580,7 +580,7 @@
           <p:cNvPr id="3" name="竖排文字占位符 2">
             <a:extLst>
               <a:ext uri="{FF2B5EF4-FFF2-40B4-BE49-F238E27FC236}">
-                <a16:creationId xmlns:a16="http://schemas.microsoft.com/office/drawing/2014/main" id="{34434F46-C128-830B-E776-36D4C2317177}"/>
+                <a16:creationId xmlns:a16="http://schemas.microsoft.com/office/drawing/2014/main" id="{A9CDB91E-DAA1-AE5B-A2F2-5A8D2F6B671C}"/>
               </a:ext>
             </a:extLst>
           </p:cNvPr>
@@ -642,7 +642,7 @@
           <p:cNvPr id="4" name="日期占位符 3">
             <a:extLst>
               <a:ext uri="{FF2B5EF4-FFF2-40B4-BE49-F238E27FC236}">
-                <a16:creationId xmlns:a16="http://schemas.microsoft.com/office/drawing/2014/main" id="{C75BC73A-1F0B-C701-E590-AB9680D7A759}"/>
+                <a16:creationId xmlns:a16="http://schemas.microsoft.com/office/drawing/2014/main" id="{76A5B2CC-BB67-B84B-3F96-4ACA7EF4DD47}"/>
               </a:ext>
             </a:extLst>
           </p:cNvPr>
@@ -658,7 +658,7 @@
           <a:bodyPr/>
           <a:lstStyle/>
           <a:p>
-            <a:fld id="{386B24D8-7C02-4867-84E3-26BF0F97B5A4}" type="datetimeFigureOut">
+            <a:fld id="{39FCEC18-3A0F-4772-8A99-5B51788CD7FA}" type="datetimeFigureOut">
               <a:rPr lang="zh-CN" altLang="en-US" smtClean="0"/>
               <a:t>2024/3/10</a:t>
             </a:fld>
@@ -671,7 +671,7 @@
           <p:cNvPr id="5" name="页脚占位符 4">
             <a:extLst>
               <a:ext uri="{FF2B5EF4-FFF2-40B4-BE49-F238E27FC236}">
-                <a16:creationId xmlns:a16="http://schemas.microsoft.com/office/drawing/2014/main" id="{BE8E55F8-7B93-CAAD-04DD-1992F2748268}"/>
+                <a16:creationId xmlns:a16="http://schemas.microsoft.com/office/drawing/2014/main" id="{6340951B-9C1E-C4F5-B70D-180E05DC9BDE}"/>
               </a:ext>
             </a:extLst>
           </p:cNvPr>
@@ -696,7 +696,7 @@
           <p:cNvPr id="6" name="灯片编号占位符 5">
             <a:extLst>
               <a:ext uri="{FF2B5EF4-FFF2-40B4-BE49-F238E27FC236}">
-                <a16:creationId xmlns:a16="http://schemas.microsoft.com/office/drawing/2014/main" id="{6BBD14D3-ADDF-1BC2-3F1C-AB8759B721C0}"/>
+                <a16:creationId xmlns:a16="http://schemas.microsoft.com/office/drawing/2014/main" id="{B12CFBEA-92F0-BCD4-76B5-77BD057D4F4E}"/>
               </a:ext>
             </a:extLst>
           </p:cNvPr>
@@ -712,7 +712,7 @@
           <a:bodyPr/>
           <a:lstStyle/>
           <a:p>
-            <a:fld id="{B8E995F8-FA63-42E9-8E9A-6BD83A38BF50}" type="slidenum">
+            <a:fld id="{CB32A36D-635A-4752-BBCA-A7E0D255E3B8}" type="slidenum">
               <a:rPr lang="zh-CN" altLang="en-US" smtClean="0"/>
               <a:t>‹#›</a:t>
             </a:fld>
@@ -723,7 +723,7 @@
     </p:spTree>
     <p:extLst>
       <p:ext uri="{BB962C8B-B14F-4D97-AF65-F5344CB8AC3E}">
-        <p14:creationId xmlns:p14="http://schemas.microsoft.com/office/powerpoint/2010/main" val="1011985583"/>
+        <p14:creationId xmlns:p14="http://schemas.microsoft.com/office/powerpoint/2010/main" val="781385924"/>
       </p:ext>
     </p:extLst>
   </p:cSld>
@@ -755,7 +755,7 @@
           <p:cNvPr id="2" name="标题 1">
             <a:extLst>
               <a:ext uri="{FF2B5EF4-FFF2-40B4-BE49-F238E27FC236}">
-                <a16:creationId xmlns:a16="http://schemas.microsoft.com/office/drawing/2014/main" id="{FA98593A-70BF-9ABC-5F1D-94F21EC99FE5}"/>
+                <a16:creationId xmlns:a16="http://schemas.microsoft.com/office/drawing/2014/main" id="{1E841ABB-73EF-9D1E-949C-65F7F63D3D07}"/>
               </a:ext>
             </a:extLst>
           </p:cNvPr>
@@ -783,7 +783,7 @@
           <p:cNvPr id="3" name="内容占位符 2">
             <a:extLst>
               <a:ext uri="{FF2B5EF4-FFF2-40B4-BE49-F238E27FC236}">
-                <a16:creationId xmlns:a16="http://schemas.microsoft.com/office/drawing/2014/main" id="{61144F25-CAA7-4442-F857-59407CD87C56}"/>
+                <a16:creationId xmlns:a16="http://schemas.microsoft.com/office/drawing/2014/main" id="{CAC90A41-B510-F60F-6452-7AC82B843F6C}"/>
               </a:ext>
             </a:extLst>
           </p:cNvPr>
@@ -840,7 +840,7 @@
           <p:cNvPr id="4" name="日期占位符 3">
             <a:extLst>
               <a:ext uri="{FF2B5EF4-FFF2-40B4-BE49-F238E27FC236}">
-                <a16:creationId xmlns:a16="http://schemas.microsoft.com/office/drawing/2014/main" id="{2FF913EA-8EBA-9A32-D7D0-8F483835188B}"/>
+                <a16:creationId xmlns:a16="http://schemas.microsoft.com/office/drawing/2014/main" id="{ADA5FE98-A4D1-856C-7C8E-8BCAEA0EA303}"/>
               </a:ext>
             </a:extLst>
           </p:cNvPr>
@@ -856,7 +856,7 @@
           <a:bodyPr/>
           <a:lstStyle/>
           <a:p>
-            <a:fld id="{386B24D8-7C02-4867-84E3-26BF0F97B5A4}" type="datetimeFigureOut">
+            <a:fld id="{39FCEC18-3A0F-4772-8A99-5B51788CD7FA}" type="datetimeFigureOut">
               <a:rPr lang="zh-CN" altLang="en-US" smtClean="0"/>
               <a:t>2024/3/10</a:t>
             </a:fld>
@@ -869,7 +869,7 @@
           <p:cNvPr id="5" name="页脚占位符 4">
             <a:extLst>
               <a:ext uri="{FF2B5EF4-FFF2-40B4-BE49-F238E27FC236}">
-                <a16:creationId xmlns:a16="http://schemas.microsoft.com/office/drawing/2014/main" id="{682BC60B-8399-4A8F-CF6C-980CCB601FF4}"/>
+                <a16:creationId xmlns:a16="http://schemas.microsoft.com/office/drawing/2014/main" id="{8EACCBED-2F77-D32B-4C54-70C2DEA858B6}"/>
               </a:ext>
             </a:extLst>
           </p:cNvPr>
@@ -894,7 +894,7 @@
           <p:cNvPr id="6" name="灯片编号占位符 5">
             <a:extLst>
               <a:ext uri="{FF2B5EF4-FFF2-40B4-BE49-F238E27FC236}">
-                <a16:creationId xmlns:a16="http://schemas.microsoft.com/office/drawing/2014/main" id="{B3E1D01D-8DA1-7AF8-D603-452373AA36B6}"/>
+                <a16:creationId xmlns:a16="http://schemas.microsoft.com/office/drawing/2014/main" id="{20D83AD8-3936-D2C5-FECE-E718A9DAC160}"/>
               </a:ext>
             </a:extLst>
           </p:cNvPr>
@@ -910,7 +910,7 @@
           <a:bodyPr/>
           <a:lstStyle/>
           <a:p>
-            <a:fld id="{B8E995F8-FA63-42E9-8E9A-6BD83A38BF50}" type="slidenum">
+            <a:fld id="{CB32A36D-635A-4752-BBCA-A7E0D255E3B8}" type="slidenum">
               <a:rPr lang="zh-CN" altLang="en-US" smtClean="0"/>
               <a:t>‹#›</a:t>
             </a:fld>
@@ -921,7 +921,7 @@
     </p:spTree>
     <p:extLst>
       <p:ext uri="{BB962C8B-B14F-4D97-AF65-F5344CB8AC3E}">
-        <p14:creationId xmlns:p14="http://schemas.microsoft.com/office/powerpoint/2010/main" val="3466929652"/>
+        <p14:creationId xmlns:p14="http://schemas.microsoft.com/office/powerpoint/2010/main" val="2111484740"/>
       </p:ext>
     </p:extLst>
   </p:cSld>
@@ -953,7 +953,7 @@
           <p:cNvPr id="2" name="标题 1">
             <a:extLst>
               <a:ext uri="{FF2B5EF4-FFF2-40B4-BE49-F238E27FC236}">
-                <a16:creationId xmlns:a16="http://schemas.microsoft.com/office/drawing/2014/main" id="{F6AE775F-DFEB-EF03-4A94-7448D3E7AA2E}"/>
+                <a16:creationId xmlns:a16="http://schemas.microsoft.com/office/drawing/2014/main" id="{4DC31AF1-B055-8AF8-1457-9B3FFE487F0F}"/>
               </a:ext>
             </a:extLst>
           </p:cNvPr>
@@ -990,7 +990,7 @@
           <p:cNvPr id="3" name="文本占位符 2">
             <a:extLst>
               <a:ext uri="{FF2B5EF4-FFF2-40B4-BE49-F238E27FC236}">
-                <a16:creationId xmlns:a16="http://schemas.microsoft.com/office/drawing/2014/main" id="{A69AE3B5-C253-037B-2C23-45B3AB7DCC67}"/>
+                <a16:creationId xmlns:a16="http://schemas.microsoft.com/office/drawing/2014/main" id="{B78560E8-B41B-55CB-F37F-C021104CC172}"/>
               </a:ext>
             </a:extLst>
           </p:cNvPr>
@@ -1115,7 +1115,7 @@
           <p:cNvPr id="4" name="日期占位符 3">
             <a:extLst>
               <a:ext uri="{FF2B5EF4-FFF2-40B4-BE49-F238E27FC236}">
-                <a16:creationId xmlns:a16="http://schemas.microsoft.com/office/drawing/2014/main" id="{3F4C8E00-18A6-CB4D-32EF-DDADEE796558}"/>
+                <a16:creationId xmlns:a16="http://schemas.microsoft.com/office/drawing/2014/main" id="{5D05D30E-9429-42ED-DE02-46B6543BB2D1}"/>
               </a:ext>
             </a:extLst>
           </p:cNvPr>
@@ -1131,7 +1131,7 @@
           <a:bodyPr/>
           <a:lstStyle/>
           <a:p>
-            <a:fld id="{386B24D8-7C02-4867-84E3-26BF0F97B5A4}" type="datetimeFigureOut">
+            <a:fld id="{39FCEC18-3A0F-4772-8A99-5B51788CD7FA}" type="datetimeFigureOut">
               <a:rPr lang="zh-CN" altLang="en-US" smtClean="0"/>
               <a:t>2024/3/10</a:t>
             </a:fld>
@@ -1144,7 +1144,7 @@
           <p:cNvPr id="5" name="页脚占位符 4">
             <a:extLst>
               <a:ext uri="{FF2B5EF4-FFF2-40B4-BE49-F238E27FC236}">
-                <a16:creationId xmlns:a16="http://schemas.microsoft.com/office/drawing/2014/main" id="{AF735137-4E08-A9C2-D8AC-2F39709A3C15}"/>
+                <a16:creationId xmlns:a16="http://schemas.microsoft.com/office/drawing/2014/main" id="{C46D4266-4418-C01E-8878-5854BF57B6BD}"/>
               </a:ext>
             </a:extLst>
           </p:cNvPr>
@@ -1169,7 +1169,7 @@
           <p:cNvPr id="6" name="灯片编号占位符 5">
             <a:extLst>
               <a:ext uri="{FF2B5EF4-FFF2-40B4-BE49-F238E27FC236}">
-                <a16:creationId xmlns:a16="http://schemas.microsoft.com/office/drawing/2014/main" id="{9016E573-1DA6-6D4E-B673-3B0C1DC61505}"/>
+                <a16:creationId xmlns:a16="http://schemas.microsoft.com/office/drawing/2014/main" id="{652B0C87-8B75-E488-EE40-79C4783DCBE2}"/>
               </a:ext>
             </a:extLst>
           </p:cNvPr>
@@ -1185,7 +1185,7 @@
           <a:bodyPr/>
           <a:lstStyle/>
           <a:p>
-            <a:fld id="{B8E995F8-FA63-42E9-8E9A-6BD83A38BF50}" type="slidenum">
+            <a:fld id="{CB32A36D-635A-4752-BBCA-A7E0D255E3B8}" type="slidenum">
               <a:rPr lang="zh-CN" altLang="en-US" smtClean="0"/>
               <a:t>‹#›</a:t>
             </a:fld>
@@ -1196,7 +1196,7 @@
     </p:spTree>
     <p:extLst>
       <p:ext uri="{BB962C8B-B14F-4D97-AF65-F5344CB8AC3E}">
-        <p14:creationId xmlns:p14="http://schemas.microsoft.com/office/powerpoint/2010/main" val="1514280461"/>
+        <p14:creationId xmlns:p14="http://schemas.microsoft.com/office/powerpoint/2010/main" val="3430861931"/>
       </p:ext>
     </p:extLst>
   </p:cSld>
@@ -1228,7 +1228,7 @@
           <p:cNvPr id="2" name="标题 1">
             <a:extLst>
               <a:ext uri="{FF2B5EF4-FFF2-40B4-BE49-F238E27FC236}">
-                <a16:creationId xmlns:a16="http://schemas.microsoft.com/office/drawing/2014/main" id="{15F3C098-BFC8-9D2E-EFAF-D4D2DFF0C4D3}"/>
+                <a16:creationId xmlns:a16="http://schemas.microsoft.com/office/drawing/2014/main" id="{4E2FFD38-261D-DA77-7464-5CDF12AA8C60}"/>
               </a:ext>
             </a:extLst>
           </p:cNvPr>
@@ -1256,7 +1256,7 @@
           <p:cNvPr id="3" name="内容占位符 2">
             <a:extLst>
               <a:ext uri="{FF2B5EF4-FFF2-40B4-BE49-F238E27FC236}">
-                <a16:creationId xmlns:a16="http://schemas.microsoft.com/office/drawing/2014/main" id="{2C60A8F2-03BD-B1EA-FF88-A670690448E5}"/>
+                <a16:creationId xmlns:a16="http://schemas.microsoft.com/office/drawing/2014/main" id="{EAF98919-EEB0-4A57-E6F9-98C33D49CE18}"/>
               </a:ext>
             </a:extLst>
           </p:cNvPr>
@@ -1318,7 +1318,7 @@
           <p:cNvPr id="4" name="内容占位符 3">
             <a:extLst>
               <a:ext uri="{FF2B5EF4-FFF2-40B4-BE49-F238E27FC236}">
-                <a16:creationId xmlns:a16="http://schemas.microsoft.com/office/drawing/2014/main" id="{C1E4471F-8E6D-9F89-57B0-3108EDDD35C0}"/>
+                <a16:creationId xmlns:a16="http://schemas.microsoft.com/office/drawing/2014/main" id="{BF298793-1E70-2857-81D8-DEFB25C580ED}"/>
               </a:ext>
             </a:extLst>
           </p:cNvPr>
@@ -1380,7 +1380,7 @@
           <p:cNvPr id="5" name="日期占位符 4">
             <a:extLst>
               <a:ext uri="{FF2B5EF4-FFF2-40B4-BE49-F238E27FC236}">
-                <a16:creationId xmlns:a16="http://schemas.microsoft.com/office/drawing/2014/main" id="{735F9D0A-7494-FBBB-524D-55FC8B4131DF}"/>
+                <a16:creationId xmlns:a16="http://schemas.microsoft.com/office/drawing/2014/main" id="{53BA8EAA-E055-B13A-62C2-71D595D9A8DC}"/>
               </a:ext>
             </a:extLst>
           </p:cNvPr>
@@ -1396,7 +1396,7 @@
           <a:bodyPr/>
           <a:lstStyle/>
           <a:p>
-            <a:fld id="{386B24D8-7C02-4867-84E3-26BF0F97B5A4}" type="datetimeFigureOut">
+            <a:fld id="{39FCEC18-3A0F-4772-8A99-5B51788CD7FA}" type="datetimeFigureOut">
               <a:rPr lang="zh-CN" altLang="en-US" smtClean="0"/>
               <a:t>2024/3/10</a:t>
             </a:fld>
@@ -1409,7 +1409,7 @@
           <p:cNvPr id="6" name="页脚占位符 5">
             <a:extLst>
               <a:ext uri="{FF2B5EF4-FFF2-40B4-BE49-F238E27FC236}">
-                <a16:creationId xmlns:a16="http://schemas.microsoft.com/office/drawing/2014/main" id="{39911954-833D-7BD5-4224-3801C395B98D}"/>
+                <a16:creationId xmlns:a16="http://schemas.microsoft.com/office/drawing/2014/main" id="{F4B77554-8268-1E2B-8124-DA70DDEB7845}"/>
               </a:ext>
             </a:extLst>
           </p:cNvPr>
@@ -1434,7 +1434,7 @@
           <p:cNvPr id="7" name="灯片编号占位符 6">
             <a:extLst>
               <a:ext uri="{FF2B5EF4-FFF2-40B4-BE49-F238E27FC236}">
-                <a16:creationId xmlns:a16="http://schemas.microsoft.com/office/drawing/2014/main" id="{078D57F9-38DB-91D0-9BD1-DC331E402C09}"/>
+                <a16:creationId xmlns:a16="http://schemas.microsoft.com/office/drawing/2014/main" id="{F623022A-A8A6-5159-A485-38B653D28064}"/>
               </a:ext>
             </a:extLst>
           </p:cNvPr>
@@ -1450,7 +1450,7 @@
           <a:bodyPr/>
           <a:lstStyle/>
           <a:p>
-            <a:fld id="{B8E995F8-FA63-42E9-8E9A-6BD83A38BF50}" type="slidenum">
+            <a:fld id="{CB32A36D-635A-4752-BBCA-A7E0D255E3B8}" type="slidenum">
               <a:rPr lang="zh-CN" altLang="en-US" smtClean="0"/>
               <a:t>‹#›</a:t>
             </a:fld>
@@ -1461,7 +1461,7 @@
     </p:spTree>
     <p:extLst>
       <p:ext uri="{BB962C8B-B14F-4D97-AF65-F5344CB8AC3E}">
-        <p14:creationId xmlns:p14="http://schemas.microsoft.com/office/powerpoint/2010/main" val="1584258354"/>
+        <p14:creationId xmlns:p14="http://schemas.microsoft.com/office/powerpoint/2010/main" val="2171552409"/>
       </p:ext>
     </p:extLst>
   </p:cSld>
@@ -1493,7 +1493,7 @@
           <p:cNvPr id="2" name="标题 1">
             <a:extLst>
               <a:ext uri="{FF2B5EF4-FFF2-40B4-BE49-F238E27FC236}">
-                <a16:creationId xmlns:a16="http://schemas.microsoft.com/office/drawing/2014/main" id="{E0A798EA-6F56-2643-A72D-0BC65EF28167}"/>
+                <a16:creationId xmlns:a16="http://schemas.microsoft.com/office/drawing/2014/main" id="{41504704-3C52-AA68-CD2A-F0E831D525D9}"/>
               </a:ext>
             </a:extLst>
           </p:cNvPr>
@@ -1526,7 +1526,7 @@
           <p:cNvPr id="3" name="文本占位符 2">
             <a:extLst>
               <a:ext uri="{FF2B5EF4-FFF2-40B4-BE49-F238E27FC236}">
-                <a16:creationId xmlns:a16="http://schemas.microsoft.com/office/drawing/2014/main" id="{13E24F8D-0ECF-B076-DCB3-49108E6C1DFC}"/>
+                <a16:creationId xmlns:a16="http://schemas.microsoft.com/office/drawing/2014/main" id="{70E86F4B-1195-BF10-BFF6-EA94AC4D762E}"/>
               </a:ext>
             </a:extLst>
           </p:cNvPr>
@@ -1597,7 +1597,7 @@
           <p:cNvPr id="4" name="内容占位符 3">
             <a:extLst>
               <a:ext uri="{FF2B5EF4-FFF2-40B4-BE49-F238E27FC236}">
-                <a16:creationId xmlns:a16="http://schemas.microsoft.com/office/drawing/2014/main" id="{823FA361-F890-088B-838A-110A993D7F21}"/>
+                <a16:creationId xmlns:a16="http://schemas.microsoft.com/office/drawing/2014/main" id="{E0DC4245-9D77-74D1-1A87-B15832859233}"/>
               </a:ext>
             </a:extLst>
           </p:cNvPr>
@@ -1659,7 +1659,7 @@
           <p:cNvPr id="5" name="文本占位符 4">
             <a:extLst>
               <a:ext uri="{FF2B5EF4-FFF2-40B4-BE49-F238E27FC236}">
-                <a16:creationId xmlns:a16="http://schemas.microsoft.com/office/drawing/2014/main" id="{485E599F-900B-EE31-C679-4E2258B9C873}"/>
+                <a16:creationId xmlns:a16="http://schemas.microsoft.com/office/drawing/2014/main" id="{7751EEF4-822F-E548-68DE-3696728D34D9}"/>
               </a:ext>
             </a:extLst>
           </p:cNvPr>
@@ -1730,7 +1730,7 @@
           <p:cNvPr id="6" name="内容占位符 5">
             <a:extLst>
               <a:ext uri="{FF2B5EF4-FFF2-40B4-BE49-F238E27FC236}">
-                <a16:creationId xmlns:a16="http://schemas.microsoft.com/office/drawing/2014/main" id="{2A4F4071-D72A-6515-76C9-3E03064162C3}"/>
+                <a16:creationId xmlns:a16="http://schemas.microsoft.com/office/drawing/2014/main" id="{F9562E82-8123-021C-F44F-14C858FD3DED}"/>
               </a:ext>
             </a:extLst>
           </p:cNvPr>
@@ -1792,7 +1792,7 @@
           <p:cNvPr id="7" name="日期占位符 6">
             <a:extLst>
               <a:ext uri="{FF2B5EF4-FFF2-40B4-BE49-F238E27FC236}">
-                <a16:creationId xmlns:a16="http://schemas.microsoft.com/office/drawing/2014/main" id="{49CD504E-07B2-FAF3-3214-824BE1D9C142}"/>
+                <a16:creationId xmlns:a16="http://schemas.microsoft.com/office/drawing/2014/main" id="{E784DF55-7BE4-4A2D-DBEE-07952BE76E73}"/>
               </a:ext>
             </a:extLst>
           </p:cNvPr>
@@ -1808,7 +1808,7 @@
           <a:bodyPr/>
           <a:lstStyle/>
           <a:p>
-            <a:fld id="{386B24D8-7C02-4867-84E3-26BF0F97B5A4}" type="datetimeFigureOut">
+            <a:fld id="{39FCEC18-3A0F-4772-8A99-5B51788CD7FA}" type="datetimeFigureOut">
               <a:rPr lang="zh-CN" altLang="en-US" smtClean="0"/>
               <a:t>2024/3/10</a:t>
             </a:fld>
@@ -1821,7 +1821,7 @@
           <p:cNvPr id="8" name="页脚占位符 7">
             <a:extLst>
               <a:ext uri="{FF2B5EF4-FFF2-40B4-BE49-F238E27FC236}">
-                <a16:creationId xmlns:a16="http://schemas.microsoft.com/office/drawing/2014/main" id="{DC490C08-9F2C-A49A-CF4A-458122F4605E}"/>
+                <a16:creationId xmlns:a16="http://schemas.microsoft.com/office/drawing/2014/main" id="{51015986-C35E-AD91-AD0C-314D44B8AAF7}"/>
               </a:ext>
             </a:extLst>
           </p:cNvPr>
@@ -1846,7 +1846,7 @@
           <p:cNvPr id="9" name="灯片编号占位符 8">
             <a:extLst>
               <a:ext uri="{FF2B5EF4-FFF2-40B4-BE49-F238E27FC236}">
-                <a16:creationId xmlns:a16="http://schemas.microsoft.com/office/drawing/2014/main" id="{8B795528-E2EA-864E-F806-1643EC899D38}"/>
+                <a16:creationId xmlns:a16="http://schemas.microsoft.com/office/drawing/2014/main" id="{E0C141D3-541A-1418-3212-A1EB2F1B342C}"/>
               </a:ext>
             </a:extLst>
           </p:cNvPr>
@@ -1862,7 +1862,7 @@
           <a:bodyPr/>
           <a:lstStyle/>
           <a:p>
-            <a:fld id="{B8E995F8-FA63-42E9-8E9A-6BD83A38BF50}" type="slidenum">
+            <a:fld id="{CB32A36D-635A-4752-BBCA-A7E0D255E3B8}" type="slidenum">
               <a:rPr lang="zh-CN" altLang="en-US" smtClean="0"/>
               <a:t>‹#›</a:t>
             </a:fld>
@@ -1873,7 +1873,7 @@
     </p:spTree>
     <p:extLst>
       <p:ext uri="{BB962C8B-B14F-4D97-AF65-F5344CB8AC3E}">
-        <p14:creationId xmlns:p14="http://schemas.microsoft.com/office/powerpoint/2010/main" val="2398218358"/>
+        <p14:creationId xmlns:p14="http://schemas.microsoft.com/office/powerpoint/2010/main" val="594879330"/>
       </p:ext>
     </p:extLst>
   </p:cSld>
@@ -1905,7 +1905,7 @@
           <p:cNvPr id="2" name="标题 1">
             <a:extLst>
               <a:ext uri="{FF2B5EF4-FFF2-40B4-BE49-F238E27FC236}">
-                <a16:creationId xmlns:a16="http://schemas.microsoft.com/office/drawing/2014/main" id="{56A49EC8-166A-6AA9-6439-91A0F786961F}"/>
+                <a16:creationId xmlns:a16="http://schemas.microsoft.com/office/drawing/2014/main" id="{19670E11-F4F4-F42D-80AF-CC169D387936}"/>
               </a:ext>
             </a:extLst>
           </p:cNvPr>
@@ -1933,7 +1933,7 @@
           <p:cNvPr id="3" name="日期占位符 2">
             <a:extLst>
               <a:ext uri="{FF2B5EF4-FFF2-40B4-BE49-F238E27FC236}">
-                <a16:creationId xmlns:a16="http://schemas.microsoft.com/office/drawing/2014/main" id="{17D201EE-9FC5-9F7C-0F52-A86664BEE187}"/>
+                <a16:creationId xmlns:a16="http://schemas.microsoft.com/office/drawing/2014/main" id="{384D7756-C873-D8BE-61F2-DD8C5B9F817D}"/>
               </a:ext>
             </a:extLst>
           </p:cNvPr>
@@ -1949,7 +1949,7 @@
           <a:bodyPr/>
           <a:lstStyle/>
           <a:p>
-            <a:fld id="{386B24D8-7C02-4867-84E3-26BF0F97B5A4}" type="datetimeFigureOut">
+            <a:fld id="{39FCEC18-3A0F-4772-8A99-5B51788CD7FA}" type="datetimeFigureOut">
               <a:rPr lang="zh-CN" altLang="en-US" smtClean="0"/>
               <a:t>2024/3/10</a:t>
             </a:fld>
@@ -1962,7 +1962,7 @@
           <p:cNvPr id="4" name="页脚占位符 3">
             <a:extLst>
               <a:ext uri="{FF2B5EF4-FFF2-40B4-BE49-F238E27FC236}">
-                <a16:creationId xmlns:a16="http://schemas.microsoft.com/office/drawing/2014/main" id="{15A09A8F-BC8E-5FFB-14D5-14A4FCEA7E9B}"/>
+                <a16:creationId xmlns:a16="http://schemas.microsoft.com/office/drawing/2014/main" id="{F4DF88C6-122E-5A16-835C-596C1B6B344E}"/>
               </a:ext>
             </a:extLst>
           </p:cNvPr>
@@ -1987,7 +1987,7 @@
           <p:cNvPr id="5" name="灯片编号占位符 4">
             <a:extLst>
               <a:ext uri="{FF2B5EF4-FFF2-40B4-BE49-F238E27FC236}">
-                <a16:creationId xmlns:a16="http://schemas.microsoft.com/office/drawing/2014/main" id="{F4BB205A-4B2A-B8E8-39BA-88266C54BAE3}"/>
+                <a16:creationId xmlns:a16="http://schemas.microsoft.com/office/drawing/2014/main" id="{2CCA17D8-92BA-FEC9-80B4-1E98E7BFD7F2}"/>
               </a:ext>
             </a:extLst>
           </p:cNvPr>
@@ -2003,7 +2003,7 @@
           <a:bodyPr/>
           <a:lstStyle/>
           <a:p>
-            <a:fld id="{B8E995F8-FA63-42E9-8E9A-6BD83A38BF50}" type="slidenum">
+            <a:fld id="{CB32A36D-635A-4752-BBCA-A7E0D255E3B8}" type="slidenum">
               <a:rPr lang="zh-CN" altLang="en-US" smtClean="0"/>
               <a:t>‹#›</a:t>
             </a:fld>
@@ -2014,7 +2014,7 @@
     </p:spTree>
     <p:extLst>
       <p:ext uri="{BB962C8B-B14F-4D97-AF65-F5344CB8AC3E}">
-        <p14:creationId xmlns:p14="http://schemas.microsoft.com/office/powerpoint/2010/main" val="608596716"/>
+        <p14:creationId xmlns:p14="http://schemas.microsoft.com/office/powerpoint/2010/main" val="2598566955"/>
       </p:ext>
     </p:extLst>
   </p:cSld>
@@ -2046,7 +2046,7 @@
           <p:cNvPr id="2" name="日期占位符 1">
             <a:extLst>
               <a:ext uri="{FF2B5EF4-FFF2-40B4-BE49-F238E27FC236}">
-                <a16:creationId xmlns:a16="http://schemas.microsoft.com/office/drawing/2014/main" id="{36767BC8-5801-A230-118D-EA6E33A90D00}"/>
+                <a16:creationId xmlns:a16="http://schemas.microsoft.com/office/drawing/2014/main" id="{AF44426F-183F-5365-4F13-F14A884B7A93}"/>
               </a:ext>
             </a:extLst>
           </p:cNvPr>
@@ -2062,7 +2062,7 @@
           <a:bodyPr/>
           <a:lstStyle/>
           <a:p>
-            <a:fld id="{386B24D8-7C02-4867-84E3-26BF0F97B5A4}" type="datetimeFigureOut">
+            <a:fld id="{39FCEC18-3A0F-4772-8A99-5B51788CD7FA}" type="datetimeFigureOut">
               <a:rPr lang="zh-CN" altLang="en-US" smtClean="0"/>
               <a:t>2024/3/10</a:t>
             </a:fld>
@@ -2075,7 +2075,7 @@
           <p:cNvPr id="3" name="页脚占位符 2">
             <a:extLst>
               <a:ext uri="{FF2B5EF4-FFF2-40B4-BE49-F238E27FC236}">
-                <a16:creationId xmlns:a16="http://schemas.microsoft.com/office/drawing/2014/main" id="{AEE48A9B-93CC-367F-5D7D-67EE230A553D}"/>
+                <a16:creationId xmlns:a16="http://schemas.microsoft.com/office/drawing/2014/main" id="{ADF62D68-A2C0-C534-7551-EC874A13F136}"/>
               </a:ext>
             </a:extLst>
           </p:cNvPr>
@@ -2100,7 +2100,7 @@
           <p:cNvPr id="4" name="灯片编号占位符 3">
             <a:extLst>
               <a:ext uri="{FF2B5EF4-FFF2-40B4-BE49-F238E27FC236}">
-                <a16:creationId xmlns:a16="http://schemas.microsoft.com/office/drawing/2014/main" id="{8A994FF4-6D9A-8779-B9B1-7D549B09167E}"/>
+                <a16:creationId xmlns:a16="http://schemas.microsoft.com/office/drawing/2014/main" id="{6C4337CB-D2C4-13D2-A9AC-FD224915F84B}"/>
               </a:ext>
             </a:extLst>
           </p:cNvPr>
@@ -2116,7 +2116,7 @@
           <a:bodyPr/>
           <a:lstStyle/>
           <a:p>
-            <a:fld id="{B8E995F8-FA63-42E9-8E9A-6BD83A38BF50}" type="slidenum">
+            <a:fld id="{CB32A36D-635A-4752-BBCA-A7E0D255E3B8}" type="slidenum">
               <a:rPr lang="zh-CN" altLang="en-US" smtClean="0"/>
               <a:t>‹#›</a:t>
             </a:fld>
@@ -2127,7 +2127,7 @@
     </p:spTree>
     <p:extLst>
       <p:ext uri="{BB962C8B-B14F-4D97-AF65-F5344CB8AC3E}">
-        <p14:creationId xmlns:p14="http://schemas.microsoft.com/office/powerpoint/2010/main" val="3897793484"/>
+        <p14:creationId xmlns:p14="http://schemas.microsoft.com/office/powerpoint/2010/main" val="7072523"/>
       </p:ext>
     </p:extLst>
   </p:cSld>
@@ -2159,7 +2159,7 @@
           <p:cNvPr id="2" name="标题 1">
             <a:extLst>
               <a:ext uri="{FF2B5EF4-FFF2-40B4-BE49-F238E27FC236}">
-                <a16:creationId xmlns:a16="http://schemas.microsoft.com/office/drawing/2014/main" id="{E676F711-A2D2-74B4-062A-4F0C1524F2F7}"/>
+                <a16:creationId xmlns:a16="http://schemas.microsoft.com/office/drawing/2014/main" id="{21485997-0D2D-95F2-A22B-F342F90917C2}"/>
               </a:ext>
             </a:extLst>
           </p:cNvPr>
@@ -2196,7 +2196,7 @@
           <p:cNvPr id="3" name="内容占位符 2">
             <a:extLst>
               <a:ext uri="{FF2B5EF4-FFF2-40B4-BE49-F238E27FC236}">
-                <a16:creationId xmlns:a16="http://schemas.microsoft.com/office/drawing/2014/main" id="{A268A1CC-D84C-B4AB-497F-F9712967695C}"/>
+                <a16:creationId xmlns:a16="http://schemas.microsoft.com/office/drawing/2014/main" id="{329619CF-955C-DBAB-BA3E-AAFC1E48B48B}"/>
               </a:ext>
             </a:extLst>
           </p:cNvPr>
@@ -2286,7 +2286,7 @@
           <p:cNvPr id="4" name="文本占位符 3">
             <a:extLst>
               <a:ext uri="{FF2B5EF4-FFF2-40B4-BE49-F238E27FC236}">
-                <a16:creationId xmlns:a16="http://schemas.microsoft.com/office/drawing/2014/main" id="{0749A74A-F691-36F1-ED9A-01BDB95EBED1}"/>
+                <a16:creationId xmlns:a16="http://schemas.microsoft.com/office/drawing/2014/main" id="{5048E8D7-86B8-6B85-D502-D1CEFBD236A2}"/>
               </a:ext>
             </a:extLst>
           </p:cNvPr>
@@ -2357,7 +2357,7 @@
           <p:cNvPr id="5" name="日期占位符 4">
             <a:extLst>
               <a:ext uri="{FF2B5EF4-FFF2-40B4-BE49-F238E27FC236}">
-                <a16:creationId xmlns:a16="http://schemas.microsoft.com/office/drawing/2014/main" id="{940C7A64-CA82-51A8-8905-0AD49ED0DF0C}"/>
+                <a16:creationId xmlns:a16="http://schemas.microsoft.com/office/drawing/2014/main" id="{28147482-E9B8-BCEA-E8B8-65E67EB7B4DD}"/>
               </a:ext>
             </a:extLst>
           </p:cNvPr>
@@ -2373,7 +2373,7 @@
           <a:bodyPr/>
           <a:lstStyle/>
           <a:p>
-            <a:fld id="{386B24D8-7C02-4867-84E3-26BF0F97B5A4}" type="datetimeFigureOut">
+            <a:fld id="{39FCEC18-3A0F-4772-8A99-5B51788CD7FA}" type="datetimeFigureOut">
               <a:rPr lang="zh-CN" altLang="en-US" smtClean="0"/>
               <a:t>2024/3/10</a:t>
             </a:fld>
@@ -2386,7 +2386,7 @@
           <p:cNvPr id="6" name="页脚占位符 5">
             <a:extLst>
               <a:ext uri="{FF2B5EF4-FFF2-40B4-BE49-F238E27FC236}">
-                <a16:creationId xmlns:a16="http://schemas.microsoft.com/office/drawing/2014/main" id="{7CCFFB97-1D1C-492A-306F-332034C31004}"/>
+                <a16:creationId xmlns:a16="http://schemas.microsoft.com/office/drawing/2014/main" id="{0FD14312-1F07-45D7-25D3-78F62674DEC5}"/>
               </a:ext>
             </a:extLst>
           </p:cNvPr>
@@ -2411,7 +2411,7 @@
           <p:cNvPr id="7" name="灯片编号占位符 6">
             <a:extLst>
               <a:ext uri="{FF2B5EF4-FFF2-40B4-BE49-F238E27FC236}">
-                <a16:creationId xmlns:a16="http://schemas.microsoft.com/office/drawing/2014/main" id="{478DA201-F4A4-ECD8-5B02-57A47E662C58}"/>
+                <a16:creationId xmlns:a16="http://schemas.microsoft.com/office/drawing/2014/main" id="{ECF55DE4-1940-7352-63E9-27C467A67B0D}"/>
               </a:ext>
             </a:extLst>
           </p:cNvPr>
@@ -2427,7 +2427,7 @@
           <a:bodyPr/>
           <a:lstStyle/>
           <a:p>
-            <a:fld id="{B8E995F8-FA63-42E9-8E9A-6BD83A38BF50}" type="slidenum">
+            <a:fld id="{CB32A36D-635A-4752-BBCA-A7E0D255E3B8}" type="slidenum">
               <a:rPr lang="zh-CN" altLang="en-US" smtClean="0"/>
               <a:t>‹#›</a:t>
             </a:fld>
@@ -2438,7 +2438,7 @@
     </p:spTree>
     <p:extLst>
       <p:ext uri="{BB962C8B-B14F-4D97-AF65-F5344CB8AC3E}">
-        <p14:creationId xmlns:p14="http://schemas.microsoft.com/office/powerpoint/2010/main" val="3211335878"/>
+        <p14:creationId xmlns:p14="http://schemas.microsoft.com/office/powerpoint/2010/main" val="932993050"/>
       </p:ext>
     </p:extLst>
   </p:cSld>
@@ -2470,7 +2470,7 @@
           <p:cNvPr id="2" name="标题 1">
             <a:extLst>
               <a:ext uri="{FF2B5EF4-FFF2-40B4-BE49-F238E27FC236}">
-                <a16:creationId xmlns:a16="http://schemas.microsoft.com/office/drawing/2014/main" id="{275B79D8-C43D-677A-3018-75FC843AE163}"/>
+                <a16:creationId xmlns:a16="http://schemas.microsoft.com/office/drawing/2014/main" id="{956C7FFA-6557-7106-8188-AFBA4E9E1A8B}"/>
               </a:ext>
             </a:extLst>
           </p:cNvPr>
@@ -2507,7 +2507,7 @@
           <p:cNvPr id="3" name="图片占位符 2">
             <a:extLst>
               <a:ext uri="{FF2B5EF4-FFF2-40B4-BE49-F238E27FC236}">
-                <a16:creationId xmlns:a16="http://schemas.microsoft.com/office/drawing/2014/main" id="{14D558E8-81AC-0F25-D6C5-20921AF2AD59}"/>
+                <a16:creationId xmlns:a16="http://schemas.microsoft.com/office/drawing/2014/main" id="{F8A42ECC-61EC-1B8B-8DEB-FEABF8ED98C7}"/>
               </a:ext>
             </a:extLst>
           </p:cNvPr>
@@ -2574,7 +2574,7 @@
           <p:cNvPr id="4" name="文本占位符 3">
             <a:extLst>
               <a:ext uri="{FF2B5EF4-FFF2-40B4-BE49-F238E27FC236}">
-                <a16:creationId xmlns:a16="http://schemas.microsoft.com/office/drawing/2014/main" id="{2A186F34-8C44-411E-AA0C-C432993D2F5A}"/>
+                <a16:creationId xmlns:a16="http://schemas.microsoft.com/office/drawing/2014/main" id="{30BCB7F7-6841-954D-B894-B58C21004EAC}"/>
               </a:ext>
             </a:extLst>
           </p:cNvPr>
@@ -2645,7 +2645,7 @@
           <p:cNvPr id="5" name="日期占位符 4">
             <a:extLst>
               <a:ext uri="{FF2B5EF4-FFF2-40B4-BE49-F238E27FC236}">
-                <a16:creationId xmlns:a16="http://schemas.microsoft.com/office/drawing/2014/main" id="{EFAE47AE-64DE-60B7-C98A-C9B42EC3D82E}"/>
+                <a16:creationId xmlns:a16="http://schemas.microsoft.com/office/drawing/2014/main" id="{08A64C05-C622-FABB-5C8A-E540B7925D6E}"/>
               </a:ext>
             </a:extLst>
           </p:cNvPr>
@@ -2661,7 +2661,7 @@
           <a:bodyPr/>
           <a:lstStyle/>
           <a:p>
-            <a:fld id="{386B24D8-7C02-4867-84E3-26BF0F97B5A4}" type="datetimeFigureOut">
+            <a:fld id="{39FCEC18-3A0F-4772-8A99-5B51788CD7FA}" type="datetimeFigureOut">
               <a:rPr lang="zh-CN" altLang="en-US" smtClean="0"/>
               <a:t>2024/3/10</a:t>
             </a:fld>
@@ -2674,7 +2674,7 @@
           <p:cNvPr id="6" name="页脚占位符 5">
             <a:extLst>
               <a:ext uri="{FF2B5EF4-FFF2-40B4-BE49-F238E27FC236}">
-                <a16:creationId xmlns:a16="http://schemas.microsoft.com/office/drawing/2014/main" id="{1CA1B791-897D-2F1A-72CD-164293089276}"/>
+                <a16:creationId xmlns:a16="http://schemas.microsoft.com/office/drawing/2014/main" id="{4F12B9ED-B8BF-6987-F602-B6B8D5412971}"/>
               </a:ext>
             </a:extLst>
           </p:cNvPr>
@@ -2699,7 +2699,7 @@
           <p:cNvPr id="7" name="灯片编号占位符 6">
             <a:extLst>
               <a:ext uri="{FF2B5EF4-FFF2-40B4-BE49-F238E27FC236}">
-                <a16:creationId xmlns:a16="http://schemas.microsoft.com/office/drawing/2014/main" id="{E560B630-52FE-BC46-A1B0-916E0C93799B}"/>
+                <a16:creationId xmlns:a16="http://schemas.microsoft.com/office/drawing/2014/main" id="{B0B6D211-6173-A3A3-3213-09857151720C}"/>
               </a:ext>
             </a:extLst>
           </p:cNvPr>
@@ -2715,7 +2715,7 @@
           <a:bodyPr/>
           <a:lstStyle/>
           <a:p>
-            <a:fld id="{B8E995F8-FA63-42E9-8E9A-6BD83A38BF50}" type="slidenum">
+            <a:fld id="{CB32A36D-635A-4752-BBCA-A7E0D255E3B8}" type="slidenum">
               <a:rPr lang="zh-CN" altLang="en-US" smtClean="0"/>
               <a:t>‹#›</a:t>
             </a:fld>
@@ -2726,7 +2726,7 @@
     </p:spTree>
     <p:extLst>
       <p:ext uri="{BB962C8B-B14F-4D97-AF65-F5344CB8AC3E}">
-        <p14:creationId xmlns:p14="http://schemas.microsoft.com/office/powerpoint/2010/main" val="3015686719"/>
+        <p14:creationId xmlns:p14="http://schemas.microsoft.com/office/powerpoint/2010/main" val="3387639330"/>
       </p:ext>
     </p:extLst>
   </p:cSld>
@@ -2763,7 +2763,7 @@
           <p:cNvPr id="2" name="标题占位符 1">
             <a:extLst>
               <a:ext uri="{FF2B5EF4-FFF2-40B4-BE49-F238E27FC236}">
-                <a16:creationId xmlns:a16="http://schemas.microsoft.com/office/drawing/2014/main" id="{FC1114D1-6915-2CE4-AEE0-EAE52E3DD095}"/>
+                <a16:creationId xmlns:a16="http://schemas.microsoft.com/office/drawing/2014/main" id="{57E0EE52-6EDC-712B-FF30-3BBEF6C4CB3F}"/>
               </a:ext>
             </a:extLst>
           </p:cNvPr>
@@ -2801,7 +2801,7 @@
           <p:cNvPr id="3" name="文本占位符 2">
             <a:extLst>
               <a:ext uri="{FF2B5EF4-FFF2-40B4-BE49-F238E27FC236}">
-                <a16:creationId xmlns:a16="http://schemas.microsoft.com/office/drawing/2014/main" id="{5C85FCE9-A454-064E-A68E-530D4BE723F9}"/>
+                <a16:creationId xmlns:a16="http://schemas.microsoft.com/office/drawing/2014/main" id="{8330E47D-F58B-2CA8-A4F5-2D2D356CEC06}"/>
               </a:ext>
             </a:extLst>
           </p:cNvPr>
@@ -2868,7 +2868,7 @@
           <p:cNvPr id="4" name="日期占位符 3">
             <a:extLst>
               <a:ext uri="{FF2B5EF4-FFF2-40B4-BE49-F238E27FC236}">
-                <a16:creationId xmlns:a16="http://schemas.microsoft.com/office/drawing/2014/main" id="{0AE8DC99-7B0A-B59B-AC71-DE97874F8DA1}"/>
+                <a16:creationId xmlns:a16="http://schemas.microsoft.com/office/drawing/2014/main" id="{0FC50DE2-77F9-817A-CD7F-A5332A70CD84}"/>
               </a:ext>
             </a:extLst>
           </p:cNvPr>
@@ -2902,7 +2902,7 @@
             </a:lvl1pPr>
           </a:lstStyle>
           <a:p>
-            <a:fld id="{386B24D8-7C02-4867-84E3-26BF0F97B5A4}" type="datetimeFigureOut">
+            <a:fld id="{39FCEC18-3A0F-4772-8A99-5B51788CD7FA}" type="datetimeFigureOut">
               <a:rPr lang="zh-CN" altLang="en-US" smtClean="0"/>
               <a:t>2024/3/10</a:t>
             </a:fld>
@@ -2915,7 +2915,7 @@
           <p:cNvPr id="5" name="页脚占位符 4">
             <a:extLst>
               <a:ext uri="{FF2B5EF4-FFF2-40B4-BE49-F238E27FC236}">
-                <a16:creationId xmlns:a16="http://schemas.microsoft.com/office/drawing/2014/main" id="{3801AA4E-F3D1-7D01-9DC7-C409BBC6A5F3}"/>
+                <a16:creationId xmlns:a16="http://schemas.microsoft.com/office/drawing/2014/main" id="{AF6EA60F-21D4-9031-C05A-EC25329720BF}"/>
               </a:ext>
             </a:extLst>
           </p:cNvPr>
@@ -2958,7 +2958,7 @@
           <p:cNvPr id="6" name="灯片编号占位符 5">
             <a:extLst>
               <a:ext uri="{FF2B5EF4-FFF2-40B4-BE49-F238E27FC236}">
-                <a16:creationId xmlns:a16="http://schemas.microsoft.com/office/drawing/2014/main" id="{DF640706-4C2C-F816-2654-7DCEB45E557A}"/>
+                <a16:creationId xmlns:a16="http://schemas.microsoft.com/office/drawing/2014/main" id="{D25604EF-DAE9-975E-903E-D5C4EB252E5D}"/>
               </a:ext>
             </a:extLst>
           </p:cNvPr>
@@ -2992,7 +2992,7 @@
             </a:lvl1pPr>
           </a:lstStyle>
           <a:p>
-            <a:fld id="{B8E995F8-FA63-42E9-8E9A-6BD83A38BF50}" type="slidenum">
+            <a:fld id="{CB32A36D-635A-4752-BBCA-A7E0D255E3B8}" type="slidenum">
               <a:rPr lang="zh-CN" altLang="en-US" smtClean="0"/>
               <a:t>‹#›</a:t>
             </a:fld>
@@ -3003,7 +3003,7 @@
     </p:spTree>
     <p:extLst>
       <p:ext uri="{BB962C8B-B14F-4D97-AF65-F5344CB8AC3E}">
-        <p14:creationId xmlns:p14="http://schemas.microsoft.com/office/powerpoint/2010/main" val="2973025635"/>
+        <p14:creationId xmlns:p14="http://schemas.microsoft.com/office/powerpoint/2010/main" val="2549415084"/>
       </p:ext>
     </p:extLst>
   </p:cSld>
@@ -3323,7 +3323,7 @@
       </p:grpSpPr>
       <p:pic>
         <p:nvPicPr>
-          <p:cNvPr id="896002" name="Picture 2" descr="874"/>
+          <p:cNvPr id="897026" name="Picture 2" descr="875"/>
           <p:cNvPicPr>
             <a:picLocks noChangeAspect="1" noChangeArrowheads="1"/>
           </p:cNvPicPr>
@@ -3344,8 +3344,8 @@
         </p:blipFill>
         <p:spPr bwMode="auto">
           <a:xfrm>
-            <a:off x="1524001" y="0"/>
-            <a:ext cx="9053513" cy="6789738"/>
+            <a:off x="1524000" y="1"/>
+            <a:ext cx="9124950" cy="6843713"/>
           </a:xfrm>
           <a:prstGeom prst="rect">
             <a:avLst/>
@@ -3375,158 +3375,11 @@
           </a:extLst>
         </p:spPr>
       </p:pic>
-      <p:pic>
-        <p:nvPicPr>
-          <p:cNvPr id="897027" name="Picture 3" descr="874-2"/>
-          <p:cNvPicPr>
-            <a:picLocks noChangeAspect="1" noChangeArrowheads="1"/>
-          </p:cNvPicPr>
-          <p:nvPr/>
-        </p:nvPicPr>
-        <p:blipFill>
-          <a:blip r:embed="rId3">
-            <a:extLst>
-              <a:ext uri="{28A0092B-C50C-407E-A947-70E740481C1C}">
-                <a14:useLocalDpi xmlns:a14="http://schemas.microsoft.com/office/drawing/2010/main" val="0"/>
-              </a:ext>
-            </a:extLst>
-          </a:blip>
-          <a:srcRect/>
-          <a:stretch>
-            <a:fillRect/>
-          </a:stretch>
-        </p:blipFill>
-        <p:spPr bwMode="auto">
-          <a:xfrm>
-            <a:off x="1524000" y="-12700"/>
-            <a:ext cx="9124950" cy="6829425"/>
-          </a:xfrm>
-          <a:prstGeom prst="rect">
-            <a:avLst/>
-          </a:prstGeom>
-          <a:noFill/>
-          <a:ln>
-            <a:noFill/>
-          </a:ln>
-          <a:effectLst/>
-          <a:extLst>
-            <a:ext uri="{909E8E84-426E-40DD-AFC4-6F175D3DCCD1}">
-              <a14:hiddenFill xmlns:a14="http://schemas.microsoft.com/office/drawing/2010/main">
-                <a:solidFill>
-                  <a:srgbClr val="FFFFFF"/>
-                </a:solidFill>
-              </a14:hiddenFill>
-            </a:ext>
-            <a:ext uri="{91240B29-F687-4F45-9708-019B960494DF}">
-              <a14:hiddenLine xmlns:a14="http://schemas.microsoft.com/office/drawing/2010/main" w="9525">
-                <a:solidFill>
-                  <a:srgbClr val="000000"/>
-                </a:solidFill>
-                <a:miter lim="800000"/>
-                <a:headEnd/>
-                <a:tailEnd/>
-              </a14:hiddenLine>
-            </a:ext>
-            <a:ext uri="{AF507438-7753-43E0-B8FC-AC1667EBCBE1}">
-              <a14:hiddenEffects xmlns:a14="http://schemas.microsoft.com/office/drawing/2010/main">
-                <a:effectLst>
-                  <a:outerShdw dist="35921" dir="2700000" algn="ctr" rotWithShape="0">
-                    <a:srgbClr val="808080"/>
-                  </a:outerShdw>
-                </a:effectLst>
-              </a14:hiddenEffects>
-            </a:ext>
-          </a:extLst>
-        </p:spPr>
-      </p:pic>
     </p:spTree>
   </p:cSld>
   <p:clrMapOvr>
     <a:masterClrMapping/>
   </p:clrMapOvr>
-  <p:timing>
-    <p:tnLst>
-      <p:par>
-        <p:cTn id="1" dur="indefinite" restart="never" nodeType="tmRoot">
-          <p:childTnLst>
-            <p:seq concurrent="1" nextAc="seek">
-              <p:cTn id="2" dur="indefinite" nodeType="mainSeq">
-                <p:childTnLst>
-                  <p:par>
-                    <p:cTn id="3" fill="hold" nodeType="clickPar">
-                      <p:stCondLst>
-                        <p:cond delay="indefinite"/>
-                      </p:stCondLst>
-                      <p:childTnLst>
-                        <p:par>
-                          <p:cTn id="4" fill="hold" nodeType="withGroup">
-                            <p:stCondLst>
-                              <p:cond delay="0"/>
-                            </p:stCondLst>
-                            <p:childTnLst>
-                              <p:par>
-                                <p:cTn id="5" presetID="10" presetClass="entr" presetSubtype="0" fill="hold" nodeType="clickEffect">
-                                  <p:stCondLst>
-                                    <p:cond delay="0"/>
-                                  </p:stCondLst>
-                                  <p:childTnLst>
-                                    <p:set>
-                                      <p:cBhvr>
-                                        <p:cTn id="6" dur="1" fill="hold">
-                                          <p:stCondLst>
-                                            <p:cond delay="0"/>
-                                          </p:stCondLst>
-                                        </p:cTn>
-                                        <p:tgtEl>
-                                          <p:spTgt spid="897027"/>
-                                        </p:tgtEl>
-                                        <p:attrNameLst>
-                                          <p:attrName>style.visibility</p:attrName>
-                                        </p:attrNameLst>
-                                      </p:cBhvr>
-                                      <p:to>
-                                        <p:strVal val="visible"/>
-                                      </p:to>
-                                    </p:set>
-                                    <p:animEffect transition="in" filter="fade">
-                                      <p:cBhvr>
-                                        <p:cTn id="7" dur="500"/>
-                                        <p:tgtEl>
-                                          <p:spTgt spid="897027"/>
-                                        </p:tgtEl>
-                                      </p:cBhvr>
-                                    </p:animEffect>
-                                  </p:childTnLst>
-                                </p:cTn>
-                              </p:par>
-                            </p:childTnLst>
-                          </p:cTn>
-                        </p:par>
-                      </p:childTnLst>
-                    </p:cTn>
-                  </p:par>
-                </p:childTnLst>
-              </p:cTn>
-              <p:prevCondLst>
-                <p:cond evt="onPrev" delay="0">
-                  <p:tgtEl>
-                    <p:sldTgt/>
-                  </p:tgtEl>
-                </p:cond>
-              </p:prevCondLst>
-              <p:nextCondLst>
-                <p:cond evt="onNext" delay="0">
-                  <p:tgtEl>
-                    <p:sldTgt/>
-                  </p:tgtEl>
-                </p:cond>
-              </p:nextCondLst>
-            </p:seq>
-          </p:childTnLst>
-        </p:cTn>
-      </p:par>
-    </p:tnLst>
-  </p:timing>
 </p:sld>
 </file>
 
